--- a/src/trabalho_final_seminario/Apresentacao.pptx
+++ b/src/trabalho_final_seminario/Apresentacao.pptx
@@ -7,6 +7,8 @@
   <p:sldIdLst>
     <p:sldId id="256" r:id="rId2"/>
     <p:sldId id="257" r:id="rId3"/>
+    <p:sldId id="258" r:id="rId4"/>
+    <p:sldId id="259" r:id="rId5"/>
   </p:sldIdLst>
   <p:sldSz cx="12192000" cy="6858000"/>
   <p:notesSz cx="6858000" cy="9144000"/>
@@ -105,7 +107,16 @@
       </a:defRPr>
     </a:lvl9pPr>
   </p:defaultTextStyle>
+  <p:extLst>
+    <p:ext uri="{EFAFB233-063F-42B5-8137-9DF3F51BA10A}">
+      <p15:sldGuideLst xmlns:p15="http://schemas.microsoft.com/office/powerpoint/2012/main"/>
+    </p:ext>
+  </p:extLst>
 </p:presentation>
+</file>
+
+<file path=ppt/revisionInfo.xml><?xml version="1.0" encoding="utf-8"?>
+<p1510:revInfo xmlns:a="http://schemas.openxmlformats.org/drawingml/2006/main" xmlns:r="http://schemas.openxmlformats.org/officeDocument/2006/relationships" xmlns:p1510="http://schemas.microsoft.com/office/powerpoint/2015/10/main"/>
 </file>
 
 <file path=ppt/slideLayouts/slideLayout1.xml><?xml version="1.0" encoding="utf-8"?>
@@ -308,7 +319,7 @@
           <a:p>
             <a:fld id="{26E5764F-07DB-4494-A016-840BE084799A}" type="datetimeFigureOut">
               <a:rPr lang="pt-BR" smtClean="0"/>
-              <a:t>19/11/2017</a:t>
+              <a:t>22/11/2017</a:t>
             </a:fld>
             <a:endParaRPr lang="pt-BR"/>
           </a:p>
@@ -498,7 +509,7 @@
           <a:p>
             <a:fld id="{26E5764F-07DB-4494-A016-840BE084799A}" type="datetimeFigureOut">
               <a:rPr lang="pt-BR" smtClean="0"/>
-              <a:t>19/11/2017</a:t>
+              <a:t>22/11/2017</a:t>
             </a:fld>
             <a:endParaRPr lang="pt-BR"/>
           </a:p>
@@ -678,7 +689,7 @@
           <a:p>
             <a:fld id="{26E5764F-07DB-4494-A016-840BE084799A}" type="datetimeFigureOut">
               <a:rPr lang="pt-BR" smtClean="0"/>
-              <a:t>19/11/2017</a:t>
+              <a:t>22/11/2017</a:t>
             </a:fld>
             <a:endParaRPr lang="pt-BR"/>
           </a:p>
@@ -848,7 +859,7 @@
           <a:p>
             <a:fld id="{26E5764F-07DB-4494-A016-840BE084799A}" type="datetimeFigureOut">
               <a:rPr lang="pt-BR" smtClean="0"/>
-              <a:t>19/11/2017</a:t>
+              <a:t>22/11/2017</a:t>
             </a:fld>
             <a:endParaRPr lang="pt-BR"/>
           </a:p>
@@ -1104,7 +1115,7 @@
           <a:p>
             <a:fld id="{26E5764F-07DB-4494-A016-840BE084799A}" type="datetimeFigureOut">
               <a:rPr lang="pt-BR" smtClean="0"/>
-              <a:t>19/11/2017</a:t>
+              <a:t>22/11/2017</a:t>
             </a:fld>
             <a:endParaRPr lang="pt-BR"/>
           </a:p>
@@ -1392,7 +1403,7 @@
           <a:p>
             <a:fld id="{26E5764F-07DB-4494-A016-840BE084799A}" type="datetimeFigureOut">
               <a:rPr lang="pt-BR" smtClean="0"/>
-              <a:t>19/11/2017</a:t>
+              <a:t>22/11/2017</a:t>
             </a:fld>
             <a:endParaRPr lang="pt-BR"/>
           </a:p>
@@ -1830,7 +1841,7 @@
           <a:p>
             <a:fld id="{26E5764F-07DB-4494-A016-840BE084799A}" type="datetimeFigureOut">
               <a:rPr lang="pt-BR" smtClean="0"/>
-              <a:t>19/11/2017</a:t>
+              <a:t>22/11/2017</a:t>
             </a:fld>
             <a:endParaRPr lang="pt-BR"/>
           </a:p>
@@ -1948,7 +1959,7 @@
           <a:p>
             <a:fld id="{26E5764F-07DB-4494-A016-840BE084799A}" type="datetimeFigureOut">
               <a:rPr lang="pt-BR" smtClean="0"/>
-              <a:t>19/11/2017</a:t>
+              <a:t>22/11/2017</a:t>
             </a:fld>
             <a:endParaRPr lang="pt-BR"/>
           </a:p>
@@ -2043,7 +2054,7 @@
           <a:p>
             <a:fld id="{26E5764F-07DB-4494-A016-840BE084799A}" type="datetimeFigureOut">
               <a:rPr lang="pt-BR" smtClean="0"/>
-              <a:t>19/11/2017</a:t>
+              <a:t>22/11/2017</a:t>
             </a:fld>
             <a:endParaRPr lang="pt-BR"/>
           </a:p>
@@ -2399,7 +2410,7 @@
           <a:p>
             <a:fld id="{26E5764F-07DB-4494-A016-840BE084799A}" type="datetimeFigureOut">
               <a:rPr lang="pt-BR" smtClean="0"/>
-              <a:t>19/11/2017</a:t>
+              <a:t>22/11/2017</a:t>
             </a:fld>
             <a:endParaRPr lang="pt-BR"/>
           </a:p>
@@ -2715,7 +2726,7 @@
           <a:p>
             <a:fld id="{26E5764F-07DB-4494-A016-840BE084799A}" type="datetimeFigureOut">
               <a:rPr lang="pt-BR" smtClean="0"/>
-              <a:t>19/11/2017</a:t>
+              <a:t>22/11/2017</a:t>
             </a:fld>
             <a:endParaRPr lang="pt-BR"/>
           </a:p>
@@ -2948,7 +2959,7 @@
           <a:p>
             <a:fld id="{26E5764F-07DB-4494-A016-840BE084799A}" type="datetimeFigureOut">
               <a:rPr lang="pt-BR" smtClean="0"/>
-              <a:t>19/11/2017</a:t>
+              <a:t>22/11/2017</a:t>
             </a:fld>
             <a:endParaRPr lang="pt-BR"/>
           </a:p>
@@ -3519,6 +3530,206 @@
 </p:sld>
 </file>
 
+<file path=ppt/slides/slide3.xml><?xml version="1.0" encoding="utf-8"?>
+<p:sld xmlns:a="http://schemas.openxmlformats.org/drawingml/2006/main" xmlns:r="http://schemas.openxmlformats.org/officeDocument/2006/relationships" xmlns:p="http://schemas.openxmlformats.org/presentationml/2006/main">
+  <p:cSld>
+    <p:spTree>
+      <p:nvGrpSpPr>
+        <p:cNvPr id="1" name=""/>
+        <p:cNvGrpSpPr/>
+        <p:nvPr/>
+      </p:nvGrpSpPr>
+      <p:grpSpPr>
+        <a:xfrm>
+          <a:off x="0" y="0"/>
+          <a:ext cx="0" cy="0"/>
+          <a:chOff x="0" y="0"/>
+          <a:chExt cx="0" cy="0"/>
+        </a:xfrm>
+      </p:grpSpPr>
+      <p:sp>
+        <p:nvSpPr>
+          <p:cNvPr id="2" name="Título 1">
+            <a:extLst>
+              <a:ext uri="{FF2B5EF4-FFF2-40B4-BE49-F238E27FC236}">
+                <a16:creationId xmlns:a16="http://schemas.microsoft.com/office/drawing/2014/main" id="{7D1E53B7-FA6C-4581-825B-6C309A662C64}"/>
+              </a:ext>
+            </a:extLst>
+          </p:cNvPr>
+          <p:cNvSpPr>
+            <a:spLocks noGrp="1"/>
+          </p:cNvSpPr>
+          <p:nvPr>
+            <p:ph type="title"/>
+          </p:nvPr>
+        </p:nvSpPr>
+        <p:spPr/>
+        <p:txBody>
+          <a:bodyPr/>
+          <a:lstStyle/>
+          <a:p>
+            <a:endParaRPr lang="pt-BR"/>
+          </a:p>
+        </p:txBody>
+      </p:sp>
+      <p:sp>
+        <p:nvSpPr>
+          <p:cNvPr id="3" name="Espaço Reservado para Conteúdo 2">
+            <a:extLst>
+              <a:ext uri="{FF2B5EF4-FFF2-40B4-BE49-F238E27FC236}">
+                <a16:creationId xmlns:a16="http://schemas.microsoft.com/office/drawing/2014/main" id="{D3B6434E-D19A-4F87-A1FC-70543A16CB38}"/>
+              </a:ext>
+            </a:extLst>
+          </p:cNvPr>
+          <p:cNvSpPr>
+            <a:spLocks noGrp="1"/>
+          </p:cNvSpPr>
+          <p:nvPr>
+            <p:ph idx="1"/>
+          </p:nvPr>
+        </p:nvSpPr>
+        <p:spPr/>
+        <p:txBody>
+          <a:bodyPr/>
+          <a:lstStyle/>
+          <a:p>
+            <a:endParaRPr lang="pt-BR"/>
+          </a:p>
+        </p:txBody>
+      </p:sp>
+      <p:pic>
+        <p:nvPicPr>
+          <p:cNvPr id="4" name="Imagem 3">
+            <a:extLst>
+              <a:ext uri="{FF2B5EF4-FFF2-40B4-BE49-F238E27FC236}">
+                <a16:creationId xmlns:a16="http://schemas.microsoft.com/office/drawing/2014/main" id="{ECCA3F4D-7A82-4E9A-970A-2BEBE7E5FD0C}"/>
+              </a:ext>
+            </a:extLst>
+          </p:cNvPr>
+          <p:cNvPicPr>
+            <a:picLocks noChangeAspect="1"/>
+          </p:cNvPicPr>
+          <p:nvPr/>
+        </p:nvPicPr>
+        <p:blipFill>
+          <a:blip r:embed="rId2"/>
+          <a:stretch>
+            <a:fillRect/>
+          </a:stretch>
+        </p:blipFill>
+        <p:spPr>
+          <a:xfrm>
+            <a:off x="335008" y="1326455"/>
+            <a:ext cx="11521984" cy="4088446"/>
+          </a:xfrm>
+          <a:prstGeom prst="rect">
+            <a:avLst/>
+          </a:prstGeom>
+        </p:spPr>
+      </p:pic>
+    </p:spTree>
+    <p:extLst>
+      <p:ext uri="{BB962C8B-B14F-4D97-AF65-F5344CB8AC3E}">
+        <p14:creationId xmlns:p14="http://schemas.microsoft.com/office/powerpoint/2010/main" val="1722124736"/>
+      </p:ext>
+    </p:extLst>
+  </p:cSld>
+  <p:clrMapOvr>
+    <a:masterClrMapping/>
+  </p:clrMapOvr>
+</p:sld>
+</file>
+
+<file path=ppt/slides/slide4.xml><?xml version="1.0" encoding="utf-8"?>
+<p:sld xmlns:a="http://schemas.openxmlformats.org/drawingml/2006/main" xmlns:r="http://schemas.openxmlformats.org/officeDocument/2006/relationships" xmlns:p="http://schemas.openxmlformats.org/presentationml/2006/main">
+  <p:cSld>
+    <p:spTree>
+      <p:nvGrpSpPr>
+        <p:cNvPr id="1" name=""/>
+        <p:cNvGrpSpPr/>
+        <p:nvPr/>
+      </p:nvGrpSpPr>
+      <p:grpSpPr>
+        <a:xfrm>
+          <a:off x="0" y="0"/>
+          <a:ext cx="0" cy="0"/>
+          <a:chOff x="0" y="0"/>
+          <a:chExt cx="0" cy="0"/>
+        </a:xfrm>
+      </p:grpSpPr>
+      <p:sp>
+        <p:nvSpPr>
+          <p:cNvPr id="2" name="Título 1">
+            <a:extLst>
+              <a:ext uri="{FF2B5EF4-FFF2-40B4-BE49-F238E27FC236}">
+                <a16:creationId xmlns:a16="http://schemas.microsoft.com/office/drawing/2014/main" id="{95BA3AEF-62C6-4E37-9F90-D3F882B0134E}"/>
+              </a:ext>
+            </a:extLst>
+          </p:cNvPr>
+          <p:cNvSpPr>
+            <a:spLocks noGrp="1"/>
+          </p:cNvSpPr>
+          <p:nvPr>
+            <p:ph type="title"/>
+          </p:nvPr>
+        </p:nvSpPr>
+        <p:spPr/>
+        <p:txBody>
+          <a:bodyPr/>
+          <a:lstStyle/>
+          <a:p>
+            <a:endParaRPr lang="pt-BR"/>
+          </a:p>
+        </p:txBody>
+      </p:sp>
+      <p:pic>
+        <p:nvPicPr>
+          <p:cNvPr id="5" name="Espaço Reservado para Conteúdo 4">
+            <a:extLst>
+              <a:ext uri="{FF2B5EF4-FFF2-40B4-BE49-F238E27FC236}">
+                <a16:creationId xmlns:a16="http://schemas.microsoft.com/office/drawing/2014/main" id="{54AEE109-CA93-4C39-A893-05C5D061C882}"/>
+              </a:ext>
+            </a:extLst>
+          </p:cNvPr>
+          <p:cNvPicPr>
+            <a:picLocks noGrp="1" noChangeAspect="1"/>
+          </p:cNvPicPr>
+          <p:nvPr>
+            <p:ph idx="1"/>
+          </p:nvPr>
+        </p:nvPicPr>
+        <p:blipFill>
+          <a:blip r:embed="rId2">
+            <a:extLst>
+              <a:ext uri="{28A0092B-C50C-407E-A947-70E740481C1C}">
+                <a14:useLocalDpi xmlns:a14="http://schemas.microsoft.com/office/drawing/2010/main" val="0"/>
+              </a:ext>
+            </a:extLst>
+          </a:blip>
+          <a:stretch>
+            <a:fillRect/>
+          </a:stretch>
+        </p:blipFill>
+        <p:spPr>
+          <a:xfrm>
+            <a:off x="282917" y="499533"/>
+            <a:ext cx="11626165" cy="5800725"/>
+          </a:xfrm>
+        </p:spPr>
+      </p:pic>
+    </p:spTree>
+    <p:extLst>
+      <p:ext uri="{BB962C8B-B14F-4D97-AF65-F5344CB8AC3E}">
+        <p14:creationId xmlns:p14="http://schemas.microsoft.com/office/powerpoint/2010/main" val="1220600973"/>
+      </p:ext>
+    </p:extLst>
+  </p:cSld>
+  <p:clrMapOvr>
+    <a:masterClrMapping/>
+  </p:clrMapOvr>
+</p:sld>
+</file>
+
 <file path=ppt/theme/theme1.xml><?xml version="1.0" encoding="utf-8"?>
 <a:theme xmlns:a="http://schemas.openxmlformats.org/drawingml/2006/main" name="Metropolitano">
   <a:themeElements>

--- a/src/trabalho_final_seminario/Apresentacao.pptx
+++ b/src/trabalho_final_seminario/Apresentacao.pptx
@@ -7,8 +7,9 @@
   <p:sldIdLst>
     <p:sldId id="256" r:id="rId2"/>
     <p:sldId id="257" r:id="rId3"/>
-    <p:sldId id="258" r:id="rId4"/>
-    <p:sldId id="259" r:id="rId5"/>
+    <p:sldId id="260" r:id="rId4"/>
+    <p:sldId id="258" r:id="rId5"/>
+    <p:sldId id="259" r:id="rId6"/>
   </p:sldIdLst>
   <p:sldSz cx="12192000" cy="6858000"/>
   <p:notesSz cx="6858000" cy="9144000"/>
@@ -3552,6 +3553,93 @@
           <p:cNvPr id="2" name="Título 1">
             <a:extLst>
               <a:ext uri="{FF2B5EF4-FFF2-40B4-BE49-F238E27FC236}">
+                <a16:creationId xmlns:a16="http://schemas.microsoft.com/office/drawing/2014/main" id="{6C565AF3-F1CC-4426-B6CD-C0C7B431B906}"/>
+              </a:ext>
+            </a:extLst>
+          </p:cNvPr>
+          <p:cNvSpPr>
+            <a:spLocks noGrp="1"/>
+          </p:cNvSpPr>
+          <p:nvPr>
+            <p:ph type="title"/>
+          </p:nvPr>
+        </p:nvSpPr>
+        <p:spPr/>
+        <p:txBody>
+          <a:bodyPr/>
+          <a:lstStyle/>
+          <a:p>
+            <a:endParaRPr lang="pt-BR"/>
+          </a:p>
+        </p:txBody>
+      </p:sp>
+      <p:pic>
+        <p:nvPicPr>
+          <p:cNvPr id="4" name="Espaço Reservado para Conteúdo 3">
+            <a:extLst>
+              <a:ext uri="{FF2B5EF4-FFF2-40B4-BE49-F238E27FC236}">
+                <a16:creationId xmlns:a16="http://schemas.microsoft.com/office/drawing/2014/main" id="{06EAFC05-F304-47CD-A0E4-9854A3831975}"/>
+              </a:ext>
+            </a:extLst>
+          </p:cNvPr>
+          <p:cNvPicPr>
+            <a:picLocks noGrp="1" noChangeAspect="1"/>
+          </p:cNvPicPr>
+          <p:nvPr>
+            <p:ph idx="1"/>
+          </p:nvPr>
+        </p:nvPicPr>
+        <p:blipFill>
+          <a:blip r:embed="rId2"/>
+          <a:stretch>
+            <a:fillRect/>
+          </a:stretch>
+        </p:blipFill>
+        <p:spPr>
+          <a:xfrm>
+            <a:off x="1229786" y="566521"/>
+            <a:ext cx="9732428" cy="5724958"/>
+          </a:xfrm>
+          <a:prstGeom prst="rect">
+            <a:avLst/>
+          </a:prstGeom>
+        </p:spPr>
+      </p:pic>
+    </p:spTree>
+    <p:extLst>
+      <p:ext uri="{BB962C8B-B14F-4D97-AF65-F5344CB8AC3E}">
+        <p14:creationId xmlns:p14="http://schemas.microsoft.com/office/powerpoint/2010/main" val="449576180"/>
+      </p:ext>
+    </p:extLst>
+  </p:cSld>
+  <p:clrMapOvr>
+    <a:masterClrMapping/>
+  </p:clrMapOvr>
+</p:sld>
+</file>
+
+<file path=ppt/slides/slide4.xml><?xml version="1.0" encoding="utf-8"?>
+<p:sld xmlns:a="http://schemas.openxmlformats.org/drawingml/2006/main" xmlns:r="http://schemas.openxmlformats.org/officeDocument/2006/relationships" xmlns:p="http://schemas.openxmlformats.org/presentationml/2006/main">
+  <p:cSld>
+    <p:spTree>
+      <p:nvGrpSpPr>
+        <p:cNvPr id="1" name=""/>
+        <p:cNvGrpSpPr/>
+        <p:nvPr/>
+      </p:nvGrpSpPr>
+      <p:grpSpPr>
+        <a:xfrm>
+          <a:off x="0" y="0"/>
+          <a:ext cx="0" cy="0"/>
+          <a:chOff x="0" y="0"/>
+          <a:chExt cx="0" cy="0"/>
+        </a:xfrm>
+      </p:grpSpPr>
+      <p:sp>
+        <p:nvSpPr>
+          <p:cNvPr id="2" name="Título 1">
+            <a:extLst>
+              <a:ext uri="{FF2B5EF4-FFF2-40B4-BE49-F238E27FC236}">
                 <a16:creationId xmlns:a16="http://schemas.microsoft.com/office/drawing/2014/main" id="{7D1E53B7-FA6C-4581-825B-6C309A662C64}"/>
               </a:ext>
             </a:extLst>
@@ -3568,7 +3656,7 @@
           <a:bodyPr/>
           <a:lstStyle/>
           <a:p>
-            <a:endParaRPr lang="pt-BR"/>
+            <a:endParaRPr lang="pt-BR" dirty="0"/>
           </a:p>
         </p:txBody>
       </p:sp>
@@ -3640,7 +3728,7 @@
 </p:sld>
 </file>
 
-<file path=ppt/slides/slide4.xml><?xml version="1.0" encoding="utf-8"?>
+<file path=ppt/slides/slide5.xml><?xml version="1.0" encoding="utf-8"?>
 <p:sld xmlns:a="http://schemas.openxmlformats.org/drawingml/2006/main" xmlns:r="http://schemas.openxmlformats.org/officeDocument/2006/relationships" xmlns:p="http://schemas.openxmlformats.org/presentationml/2006/main">
   <p:cSld>
     <p:spTree>

--- a/src/trabalho_final_seminario/Apresentacao.pptx
+++ b/src/trabalho_final_seminario/Apresentacao.pptx
@@ -3401,7 +3401,7 @@
           <p:cNvPr id="2" name="Título 1">
             <a:extLst>
               <a:ext uri="{FF2B5EF4-FFF2-40B4-BE49-F238E27FC236}">
-                <a16:creationId xmlns:a16="http://schemas.microsoft.com/office/drawing/2014/main" id="{13AF0E17-C409-411A-AE73-55041908121C}"/>
+                <a16:creationId xmlns:a16="http://schemas.microsoft.com/office/drawing/2014/main" xmlns="" id="{13AF0E17-C409-411A-AE73-55041908121C}"/>
               </a:ext>
             </a:extLst>
           </p:cNvPr>
@@ -3429,7 +3429,7 @@
           <p:cNvPr id="3" name="Subtítulo 2">
             <a:extLst>
               <a:ext uri="{FF2B5EF4-FFF2-40B4-BE49-F238E27FC236}">
-                <a16:creationId xmlns:a16="http://schemas.microsoft.com/office/drawing/2014/main" id="{05DB707B-0FB1-4118-9EB3-E7C70CA7F23C}"/>
+                <a16:creationId xmlns:a16="http://schemas.microsoft.com/office/drawing/2014/main" xmlns="" id="{05DB707B-0FB1-4118-9EB3-E7C70CA7F23C}"/>
               </a:ext>
             </a:extLst>
           </p:cNvPr>
@@ -3462,6 +3462,13 @@
   <p:clrMapOvr>
     <a:masterClrMapping/>
   </p:clrMapOvr>
+  <p:timing>
+    <p:tnLst>
+      <p:par>
+        <p:cTn id="1" dur="indefinite" restart="never" nodeType="tmRoot"/>
+      </p:par>
+    </p:tnLst>
+  </p:timing>
 </p:sld>
 </file>
 
@@ -3487,7 +3494,7 @@
           <p:cNvPr id="4" name="Imagem 3" descr="Uma imagem contendo texto, mapa, interior&#10;&#10;Descrição gerada com muito alta confiança">
             <a:extLst>
               <a:ext uri="{FF2B5EF4-FFF2-40B4-BE49-F238E27FC236}">
-                <a16:creationId xmlns:a16="http://schemas.microsoft.com/office/drawing/2014/main" id="{ABB0EDE0-FAD6-4E52-9577-2785FB215406}"/>
+                <a16:creationId xmlns:a16="http://schemas.microsoft.com/office/drawing/2014/main" xmlns="" id="{ABB0EDE0-FAD6-4E52-9577-2785FB215406}"/>
               </a:ext>
             </a:extLst>
           </p:cNvPr>
@@ -3497,7 +3504,7 @@
           <p:nvPr/>
         </p:nvPicPr>
         <p:blipFill>
-          <a:blip r:embed="rId2">
+          <a:blip r:embed="rId2" cstate="print">
             <a:extLst>
               <a:ext uri="{28A0092B-C50C-407E-A947-70E740481C1C}">
                 <a14:useLocalDpi xmlns:a14="http://schemas.microsoft.com/office/drawing/2010/main" val="0"/>
@@ -3528,6 +3535,13 @@
   <p:clrMapOvr>
     <a:masterClrMapping/>
   </p:clrMapOvr>
+  <p:timing>
+    <p:tnLst>
+      <p:par>
+        <p:cTn id="1" dur="indefinite" restart="never" nodeType="tmRoot"/>
+      </p:par>
+    </p:tnLst>
+  </p:timing>
 </p:sld>
 </file>
 
@@ -3553,7 +3567,7 @@
           <p:cNvPr id="2" name="Título 1">
             <a:extLst>
               <a:ext uri="{FF2B5EF4-FFF2-40B4-BE49-F238E27FC236}">
-                <a16:creationId xmlns:a16="http://schemas.microsoft.com/office/drawing/2014/main" id="{6C565AF3-F1CC-4426-B6CD-C0C7B431B906}"/>
+                <a16:creationId xmlns:a16="http://schemas.microsoft.com/office/drawing/2014/main" xmlns="" id="{6C565AF3-F1CC-4426-B6CD-C0C7B431B906}"/>
               </a:ext>
             </a:extLst>
           </p:cNvPr>
@@ -3578,7 +3592,7 @@
           <p:cNvPr id="4" name="Espaço Reservado para Conteúdo 3">
             <a:extLst>
               <a:ext uri="{FF2B5EF4-FFF2-40B4-BE49-F238E27FC236}">
-                <a16:creationId xmlns:a16="http://schemas.microsoft.com/office/drawing/2014/main" id="{06EAFC05-F304-47CD-A0E4-9854A3831975}"/>
+                <a16:creationId xmlns:a16="http://schemas.microsoft.com/office/drawing/2014/main" xmlns="" id="{06EAFC05-F304-47CD-A0E4-9854A3831975}"/>
               </a:ext>
             </a:extLst>
           </p:cNvPr>
@@ -3615,6 +3629,13 @@
   <p:clrMapOvr>
     <a:masterClrMapping/>
   </p:clrMapOvr>
+  <p:timing>
+    <p:tnLst>
+      <p:par>
+        <p:cTn id="1" dur="indefinite" restart="never" nodeType="tmRoot"/>
+      </p:par>
+    </p:tnLst>
+  </p:timing>
 </p:sld>
 </file>
 
@@ -3640,7 +3661,7 @@
           <p:cNvPr id="2" name="Título 1">
             <a:extLst>
               <a:ext uri="{FF2B5EF4-FFF2-40B4-BE49-F238E27FC236}">
-                <a16:creationId xmlns:a16="http://schemas.microsoft.com/office/drawing/2014/main" id="{7D1E53B7-FA6C-4581-825B-6C309A662C64}"/>
+                <a16:creationId xmlns:a16="http://schemas.microsoft.com/office/drawing/2014/main" xmlns="" id="{7D1E53B7-FA6C-4581-825B-6C309A662C64}"/>
               </a:ext>
             </a:extLst>
           </p:cNvPr>
@@ -3656,6 +3677,18 @@
           <a:bodyPr/>
           <a:lstStyle/>
           <a:p>
+            <a:r>
+              <a:rPr lang="pt-BR" dirty="0" smtClean="0"/>
+              <a:t>Gastos do </a:t>
+            </a:r>
+            <a:r>
+              <a:rPr lang="pt-BR" smtClean="0"/>
+              <a:t>estado nos </a:t>
+            </a:r>
+            <a:r>
+              <a:rPr lang="pt-BR" dirty="0" smtClean="0"/>
+              <a:t>últimos 3 anos</a:t>
+            </a:r>
             <a:endParaRPr lang="pt-BR" dirty="0"/>
           </a:p>
         </p:txBody>
@@ -3665,7 +3698,7 @@
           <p:cNvPr id="3" name="Espaço Reservado para Conteúdo 2">
             <a:extLst>
               <a:ext uri="{FF2B5EF4-FFF2-40B4-BE49-F238E27FC236}">
-                <a16:creationId xmlns:a16="http://schemas.microsoft.com/office/drawing/2014/main" id="{D3B6434E-D19A-4F87-A1FC-70543A16CB38}"/>
+                <a16:creationId xmlns:a16="http://schemas.microsoft.com/office/drawing/2014/main" xmlns="" id="{D3B6434E-D19A-4F87-A1FC-70543A16CB38}"/>
               </a:ext>
             </a:extLst>
           </p:cNvPr>
@@ -3690,7 +3723,7 @@
           <p:cNvPr id="4" name="Imagem 3">
             <a:extLst>
               <a:ext uri="{FF2B5EF4-FFF2-40B4-BE49-F238E27FC236}">
-                <a16:creationId xmlns:a16="http://schemas.microsoft.com/office/drawing/2014/main" id="{ECCA3F4D-7A82-4E9A-970A-2BEBE7E5FD0C}"/>
+                <a16:creationId xmlns:a16="http://schemas.microsoft.com/office/drawing/2014/main" xmlns="" id="{ECCA3F4D-7A82-4E9A-970A-2BEBE7E5FD0C}"/>
               </a:ext>
             </a:extLst>
           </p:cNvPr>
@@ -3707,7 +3740,7 @@
         </p:blipFill>
         <p:spPr>
           <a:xfrm>
-            <a:off x="335008" y="1326455"/>
+            <a:off x="450337" y="2076098"/>
             <a:ext cx="11521984" cy="4088446"/>
           </a:xfrm>
           <a:prstGeom prst="rect">
@@ -3725,6 +3758,13 @@
   <p:clrMapOvr>
     <a:masterClrMapping/>
   </p:clrMapOvr>
+  <p:timing>
+    <p:tnLst>
+      <p:par>
+        <p:cTn id="1" dur="indefinite" restart="never" nodeType="tmRoot"/>
+      </p:par>
+    </p:tnLst>
+  </p:timing>
 </p:sld>
 </file>
 
@@ -3750,7 +3790,7 @@
           <p:cNvPr id="2" name="Título 1">
             <a:extLst>
               <a:ext uri="{FF2B5EF4-FFF2-40B4-BE49-F238E27FC236}">
-                <a16:creationId xmlns:a16="http://schemas.microsoft.com/office/drawing/2014/main" id="{95BA3AEF-62C6-4E37-9F90-D3F882B0134E}"/>
+                <a16:creationId xmlns:a16="http://schemas.microsoft.com/office/drawing/2014/main" xmlns="" id="{95BA3AEF-62C6-4E37-9F90-D3F882B0134E}"/>
               </a:ext>
             </a:extLst>
           </p:cNvPr>
@@ -3775,7 +3815,7 @@
           <p:cNvPr id="5" name="Espaço Reservado para Conteúdo 4">
             <a:extLst>
               <a:ext uri="{FF2B5EF4-FFF2-40B4-BE49-F238E27FC236}">
-                <a16:creationId xmlns:a16="http://schemas.microsoft.com/office/drawing/2014/main" id="{54AEE109-CA93-4C39-A893-05C5D061C882}"/>
+                <a16:creationId xmlns:a16="http://schemas.microsoft.com/office/drawing/2014/main" xmlns="" id="{54AEE109-CA93-4C39-A893-05C5D061C882}"/>
               </a:ext>
             </a:extLst>
           </p:cNvPr>
@@ -3787,7 +3827,7 @@
           </p:nvPr>
         </p:nvPicPr>
         <p:blipFill>
-          <a:blip r:embed="rId2">
+          <a:blip r:embed="rId2" cstate="print">
             <a:extLst>
               <a:ext uri="{28A0092B-C50C-407E-A947-70E740481C1C}">
                 <a14:useLocalDpi xmlns:a14="http://schemas.microsoft.com/office/drawing/2010/main" val="0"/>
@@ -3815,6 +3855,13 @@
   <p:clrMapOvr>
     <a:masterClrMapping/>
   </p:clrMapOvr>
+  <p:timing>
+    <p:tnLst>
+      <p:par>
+        <p:cTn id="1" dur="indefinite" restart="never" nodeType="tmRoot"/>
+      </p:par>
+    </p:tnLst>
+  </p:timing>
 </p:sld>
 </file>
 
